--- a/www/images/virtual-environments-diagrams.pptx
+++ b/www/images/virtual-environments-diagrams.pptx
@@ -7881,7 +7881,7 @@
                   <a:latin typeface="Lato" panose="020F0502020204030203" pitchFamily="34" charset="77"/>
                   <a:cs typeface="Consolas" panose="020B0609020204030204" pitchFamily="49" charset="0"/>
                 </a:rPr>
-                <a:t>Create fie: </a:t>
+                <a:t>Create file: </a:t>
               </a:r>
             </a:p>
             <a:p>
